--- a/documentation/Design_of_statespace.pptx
+++ b/documentation/Design_of_statespace.pptx
@@ -17,11 +17,11 @@
     <p:sldId id="619" r:id="rId8"/>
     <p:sldId id="623" r:id="rId9"/>
     <p:sldId id="629" r:id="rId10"/>
-    <p:sldId id="630" r:id="rId11"/>
-    <p:sldId id="628" r:id="rId12"/>
-    <p:sldId id="632" r:id="rId13"/>
-    <p:sldId id="621" r:id="rId14"/>
-    <p:sldId id="634" r:id="rId15"/>
+    <p:sldId id="628" r:id="rId11"/>
+    <p:sldId id="632" r:id="rId12"/>
+    <p:sldId id="621" r:id="rId13"/>
+    <p:sldId id="634" r:id="rId14"/>
+    <p:sldId id="635" r:id="rId15"/>
   </p:sldIdLst>
   <p:sldSz cx="12192000" cy="6858000"/>
   <p:notesSz cx="6858000" cy="9144000"/>
@@ -183,7 +183,7 @@
 <file path=ppt/revisionInfo.xml><?xml version="1.0" encoding="utf-8"?>
 <p1510:revInfo xmlns:a="http://schemas.openxmlformats.org/drawingml/2006/main" xmlns:r="http://schemas.openxmlformats.org/officeDocument/2006/relationships" xmlns:p1510="http://schemas.microsoft.com/office/powerpoint/2015/10/main">
   <p1510:revLst>
-    <p1510:client id="{8825E2F7-6E4E-41C2-9B86-66079CBEB0C5}" v="494" dt="2022-07-04T07:31:49.109"/>
+    <p1510:client id="{CFA7147A-E208-4CC9-96A9-0CE1C9C8358B}" v="21" dt="2022-07-05T18:18:58.917"/>
   </p1510:revLst>
 </p1510:revInfo>
 </file>
@@ -224,19 +224,198 @@
   </pc:docChgLst>
   <pc:docChgLst>
     <pc:chgData name="Øyvind Wiig Petersen" userId="8db00c4c-acc5-4dea-8516-ccf730572e42" providerId="ADAL" clId="{CFA7147A-E208-4CC9-96A9-0CE1C9C8358B}"/>
-    <pc:docChg chg="modSld">
-      <pc:chgData name="Øyvind Wiig Petersen" userId="8db00c4c-acc5-4dea-8516-ccf730572e42" providerId="ADAL" clId="{CFA7147A-E208-4CC9-96A9-0CE1C9C8358B}" dt="2022-07-04T07:44:12.374" v="21" actId="1076"/>
+    <pc:docChg chg="undo custSel addSld delSld modSld">
+      <pc:chgData name="Øyvind Wiig Petersen" userId="8db00c4c-acc5-4dea-8516-ccf730572e42" providerId="ADAL" clId="{CFA7147A-E208-4CC9-96A9-0CE1C9C8358B}" dt="2022-07-05T18:18:58.917" v="138"/>
       <pc:docMkLst>
         <pc:docMk/>
       </pc:docMkLst>
       <pc:sldChg chg="modSp mod">
-        <pc:chgData name="Øyvind Wiig Petersen" userId="8db00c4c-acc5-4dea-8516-ccf730572e42" providerId="ADAL" clId="{CFA7147A-E208-4CC9-96A9-0CE1C9C8358B}" dt="2022-07-04T07:44:12.374" v="21" actId="1076"/>
+        <pc:chgData name="Øyvind Wiig Petersen" userId="8db00c4c-acc5-4dea-8516-ccf730572e42" providerId="ADAL" clId="{CFA7147A-E208-4CC9-96A9-0CE1C9C8358B}" dt="2022-07-05T13:33:37.592" v="62" actId="1076"/>
+        <pc:sldMkLst>
+          <pc:docMk/>
+          <pc:sldMk cId="3895436875" sldId="622"/>
+        </pc:sldMkLst>
+        <pc:spChg chg="mod">
+          <ac:chgData name="Øyvind Wiig Petersen" userId="8db00c4c-acc5-4dea-8516-ccf730572e42" providerId="ADAL" clId="{CFA7147A-E208-4CC9-96A9-0CE1C9C8358B}" dt="2022-07-05T13:33:37.592" v="62" actId="1076"/>
+          <ac:spMkLst>
+            <pc:docMk/>
+            <pc:sldMk cId="3895436875" sldId="622"/>
+            <ac:spMk id="5" creationId="{E88AA78D-D737-42DF-856A-9309A7266429}"/>
+          </ac:spMkLst>
+        </pc:spChg>
+        <pc:spChg chg="mod">
+          <ac:chgData name="Øyvind Wiig Petersen" userId="8db00c4c-acc5-4dea-8516-ccf730572e42" providerId="ADAL" clId="{CFA7147A-E208-4CC9-96A9-0CE1C9C8358B}" dt="2022-07-05T13:33:37.592" v="62" actId="1076"/>
+          <ac:spMkLst>
+            <pc:docMk/>
+            <pc:sldMk cId="3895436875" sldId="622"/>
+            <ac:spMk id="12" creationId="{4E5AB06C-D6FC-484E-AA04-73C3121F1363}"/>
+          </ac:spMkLst>
+        </pc:spChg>
+        <pc:spChg chg="mod">
+          <ac:chgData name="Øyvind Wiig Petersen" userId="8db00c4c-acc5-4dea-8516-ccf730572e42" providerId="ADAL" clId="{CFA7147A-E208-4CC9-96A9-0CE1C9C8358B}" dt="2022-07-05T13:33:37.592" v="62" actId="1076"/>
+          <ac:spMkLst>
+            <pc:docMk/>
+            <pc:sldMk cId="3895436875" sldId="622"/>
+            <ac:spMk id="16" creationId="{B8DB1B43-24A2-4D75-AFE3-3F7B64671DF2}"/>
+          </ac:spMkLst>
+        </pc:spChg>
+        <pc:graphicFrameChg chg="mod">
+          <ac:chgData name="Øyvind Wiig Petersen" userId="8db00c4c-acc5-4dea-8516-ccf730572e42" providerId="ADAL" clId="{CFA7147A-E208-4CC9-96A9-0CE1C9C8358B}" dt="2022-07-05T13:33:37.592" v="62" actId="1076"/>
+          <ac:graphicFrameMkLst>
+            <pc:docMk/>
+            <pc:sldMk cId="3895436875" sldId="622"/>
+            <ac:graphicFrameMk id="2" creationId="{8172D43D-8039-842F-74D6-8B829BBFBBAB}"/>
+          </ac:graphicFrameMkLst>
+        </pc:graphicFrameChg>
+        <pc:graphicFrameChg chg="mod">
+          <ac:chgData name="Øyvind Wiig Petersen" userId="8db00c4c-acc5-4dea-8516-ccf730572e42" providerId="ADAL" clId="{CFA7147A-E208-4CC9-96A9-0CE1C9C8358B}" dt="2022-07-05T13:33:37.592" v="62" actId="1076"/>
+          <ac:graphicFrameMkLst>
+            <pc:docMk/>
+            <pc:sldMk cId="3895436875" sldId="622"/>
+            <ac:graphicFrameMk id="6" creationId="{ECC4173A-EFA9-4CE7-A280-6D6A542608C3}"/>
+          </ac:graphicFrameMkLst>
+        </pc:graphicFrameChg>
+        <pc:graphicFrameChg chg="mod">
+          <ac:chgData name="Øyvind Wiig Petersen" userId="8db00c4c-acc5-4dea-8516-ccf730572e42" providerId="ADAL" clId="{CFA7147A-E208-4CC9-96A9-0CE1C9C8358B}" dt="2022-07-05T13:33:37.592" v="62" actId="1076"/>
+          <ac:graphicFrameMkLst>
+            <pc:docMk/>
+            <pc:sldMk cId="3895436875" sldId="622"/>
+            <ac:graphicFrameMk id="15" creationId="{2E5210A2-7F00-4B10-9830-C46A1EA274EA}"/>
+          </ac:graphicFrameMkLst>
+        </pc:graphicFrameChg>
+      </pc:sldChg>
+      <pc:sldChg chg="modSp mod">
+        <pc:chgData name="Øyvind Wiig Petersen" userId="8db00c4c-acc5-4dea-8516-ccf730572e42" providerId="ADAL" clId="{CFA7147A-E208-4CC9-96A9-0CE1C9C8358B}" dt="2022-07-05T05:36:21.482" v="40" actId="1036"/>
+        <pc:sldMkLst>
+          <pc:docMk/>
+          <pc:sldMk cId="2816610699" sldId="623"/>
+        </pc:sldMkLst>
+        <pc:graphicFrameChg chg="mod">
+          <ac:chgData name="Øyvind Wiig Petersen" userId="8db00c4c-acc5-4dea-8516-ccf730572e42" providerId="ADAL" clId="{CFA7147A-E208-4CC9-96A9-0CE1C9C8358B}" dt="2022-07-05T05:36:21.482" v="40" actId="1036"/>
+          <ac:graphicFrameMkLst>
+            <pc:docMk/>
+            <pc:sldMk cId="2816610699" sldId="623"/>
+            <ac:graphicFrameMk id="7" creationId="{ED646AEA-79FB-4565-AE98-0CD4165F0C09}"/>
+          </ac:graphicFrameMkLst>
+        </pc:graphicFrameChg>
+      </pc:sldChg>
+      <pc:sldChg chg="modSp mod">
+        <pc:chgData name="Øyvind Wiig Petersen" userId="8db00c4c-acc5-4dea-8516-ccf730572e42" providerId="ADAL" clId="{CFA7147A-E208-4CC9-96A9-0CE1C9C8358B}" dt="2022-07-05T13:33:29.329" v="58" actId="1076"/>
+        <pc:sldMkLst>
+          <pc:docMk/>
+          <pc:sldMk cId="3803654784" sldId="627"/>
+        </pc:sldMkLst>
+        <pc:spChg chg="mod">
+          <ac:chgData name="Øyvind Wiig Petersen" userId="8db00c4c-acc5-4dea-8516-ccf730572e42" providerId="ADAL" clId="{CFA7147A-E208-4CC9-96A9-0CE1C9C8358B}" dt="2022-07-05T13:33:22.373" v="56" actId="1076"/>
+          <ac:spMkLst>
+            <pc:docMk/>
+            <pc:sldMk cId="3803654784" sldId="627"/>
+            <ac:spMk id="12" creationId="{D548317B-CE7D-48DC-89DB-17AAEAB2EBE5}"/>
+          </ac:spMkLst>
+        </pc:spChg>
+        <pc:spChg chg="mod">
+          <ac:chgData name="Øyvind Wiig Petersen" userId="8db00c4c-acc5-4dea-8516-ccf730572e42" providerId="ADAL" clId="{CFA7147A-E208-4CC9-96A9-0CE1C9C8358B}" dt="2022-07-05T13:33:25.901" v="57" actId="1076"/>
+          <ac:spMkLst>
+            <pc:docMk/>
+            <pc:sldMk cId="3803654784" sldId="627"/>
+            <ac:spMk id="13" creationId="{1630DDAB-9BC1-3FE6-6914-00048223B36D}"/>
+          </ac:spMkLst>
+        </pc:spChg>
+        <pc:spChg chg="mod">
+          <ac:chgData name="Øyvind Wiig Petersen" userId="8db00c4c-acc5-4dea-8516-ccf730572e42" providerId="ADAL" clId="{CFA7147A-E208-4CC9-96A9-0CE1C9C8358B}" dt="2022-07-05T13:33:25.901" v="57" actId="1076"/>
+          <ac:spMkLst>
+            <pc:docMk/>
+            <pc:sldMk cId="3803654784" sldId="627"/>
+            <ac:spMk id="16" creationId="{F2240AD8-2A35-4F12-AC45-9BAB3DF3FC9E}"/>
+          </ac:spMkLst>
+        </pc:spChg>
+        <pc:spChg chg="mod">
+          <ac:chgData name="Øyvind Wiig Petersen" userId="8db00c4c-acc5-4dea-8516-ccf730572e42" providerId="ADAL" clId="{CFA7147A-E208-4CC9-96A9-0CE1C9C8358B}" dt="2022-07-05T13:33:18.217" v="53" actId="1076"/>
+          <ac:spMkLst>
+            <pc:docMk/>
+            <pc:sldMk cId="3803654784" sldId="627"/>
+            <ac:spMk id="23" creationId="{DF63CA27-0111-47E0-B41E-191D9F3008CA}"/>
+          </ac:spMkLst>
+        </pc:spChg>
+        <pc:graphicFrameChg chg="mod">
+          <ac:chgData name="Øyvind Wiig Petersen" userId="8db00c4c-acc5-4dea-8516-ccf730572e42" providerId="ADAL" clId="{CFA7147A-E208-4CC9-96A9-0CE1C9C8358B}" dt="2022-07-05T13:33:01.469" v="51" actId="1076"/>
+          <ac:graphicFrameMkLst>
+            <pc:docMk/>
+            <pc:sldMk cId="3803654784" sldId="627"/>
+            <ac:graphicFrameMk id="4" creationId="{ED6DE24D-FA28-4B16-8CE0-D549FEE1299F}"/>
+          </ac:graphicFrameMkLst>
+        </pc:graphicFrameChg>
+        <pc:graphicFrameChg chg="mod">
+          <ac:chgData name="Øyvind Wiig Petersen" userId="8db00c4c-acc5-4dea-8516-ccf730572e42" providerId="ADAL" clId="{CFA7147A-E208-4CC9-96A9-0CE1C9C8358B}" dt="2022-07-05T13:33:29.329" v="58" actId="1076"/>
+          <ac:graphicFrameMkLst>
+            <pc:docMk/>
+            <pc:sldMk cId="3803654784" sldId="627"/>
+            <ac:graphicFrameMk id="7" creationId="{E5B9C4F1-7DF0-E8C9-5063-D2D0644CCA3A}"/>
+          </ac:graphicFrameMkLst>
+        </pc:graphicFrameChg>
+      </pc:sldChg>
+      <pc:sldChg chg="modSp mod">
+        <pc:chgData name="Øyvind Wiig Petersen" userId="8db00c4c-acc5-4dea-8516-ccf730572e42" providerId="ADAL" clId="{CFA7147A-E208-4CC9-96A9-0CE1C9C8358B}" dt="2022-07-05T13:34:23.365" v="99" actId="1035"/>
+        <pc:sldMkLst>
+          <pc:docMk/>
+          <pc:sldMk cId="2140013030" sldId="629"/>
+        </pc:sldMkLst>
+        <pc:spChg chg="mod">
+          <ac:chgData name="Øyvind Wiig Petersen" userId="8db00c4c-acc5-4dea-8516-ccf730572e42" providerId="ADAL" clId="{CFA7147A-E208-4CC9-96A9-0CE1C9C8358B}" dt="2022-07-05T13:34:09.363" v="64" actId="1076"/>
+          <ac:spMkLst>
+            <pc:docMk/>
+            <pc:sldMk cId="2140013030" sldId="629"/>
+            <ac:spMk id="12" creationId="{8D576EAA-65D8-1522-71CC-1933C1996B6A}"/>
+          </ac:spMkLst>
+        </pc:spChg>
+        <pc:graphicFrameChg chg="mod">
+          <ac:chgData name="Øyvind Wiig Petersen" userId="8db00c4c-acc5-4dea-8516-ccf730572e42" providerId="ADAL" clId="{CFA7147A-E208-4CC9-96A9-0CE1C9C8358B}" dt="2022-07-05T13:34:20.256" v="78" actId="1076"/>
+          <ac:graphicFrameMkLst>
+            <pc:docMk/>
+            <pc:sldMk cId="2140013030" sldId="629"/>
+            <ac:graphicFrameMk id="2" creationId="{7576B42E-F2B1-492F-ADE0-A46AB183AC9A}"/>
+          </ac:graphicFrameMkLst>
+        </pc:graphicFrameChg>
+        <pc:graphicFrameChg chg="mod">
+          <ac:chgData name="Øyvind Wiig Petersen" userId="8db00c4c-acc5-4dea-8516-ccf730572e42" providerId="ADAL" clId="{CFA7147A-E208-4CC9-96A9-0CE1C9C8358B}" dt="2022-07-05T13:34:23.365" v="99" actId="1035"/>
+          <ac:graphicFrameMkLst>
+            <pc:docMk/>
+            <pc:sldMk cId="2140013030" sldId="629"/>
+            <ac:graphicFrameMk id="3" creationId="{A439AC10-00F3-B086-3093-90D99EA23B01}"/>
+          </ac:graphicFrameMkLst>
+        </pc:graphicFrameChg>
+        <pc:graphicFrameChg chg="mod">
+          <ac:chgData name="Øyvind Wiig Petersen" userId="8db00c4c-acc5-4dea-8516-ccf730572e42" providerId="ADAL" clId="{CFA7147A-E208-4CC9-96A9-0CE1C9C8358B}" dt="2022-07-05T13:34:23.365" v="99" actId="1035"/>
+          <ac:graphicFrameMkLst>
+            <pc:docMk/>
+            <pc:sldMk cId="2140013030" sldId="629"/>
+            <ac:graphicFrameMk id="4" creationId="{080F7AB6-3449-EE86-AA11-BD158E30C119}"/>
+          </ac:graphicFrameMkLst>
+        </pc:graphicFrameChg>
+        <pc:graphicFrameChg chg="mod">
+          <ac:chgData name="Øyvind Wiig Petersen" userId="8db00c4c-acc5-4dea-8516-ccf730572e42" providerId="ADAL" clId="{CFA7147A-E208-4CC9-96A9-0CE1C9C8358B}" dt="2022-07-05T13:34:23.365" v="99" actId="1035"/>
+          <ac:graphicFrameMkLst>
+            <pc:docMk/>
+            <pc:sldMk cId="2140013030" sldId="629"/>
+            <ac:graphicFrameMk id="5" creationId="{FF9DB076-4D24-0CA9-70A3-0B21C3261F25}"/>
+          </ac:graphicFrameMkLst>
+        </pc:graphicFrameChg>
+      </pc:sldChg>
+      <pc:sldChg chg="del">
+        <pc:chgData name="Øyvind Wiig Petersen" userId="8db00c4c-acc5-4dea-8516-ccf730572e42" providerId="ADAL" clId="{CFA7147A-E208-4CC9-96A9-0CE1C9C8358B}" dt="2022-07-05T05:37:23.084" v="41" actId="2696"/>
+        <pc:sldMkLst>
+          <pc:docMk/>
+          <pc:sldMk cId="1323310551" sldId="630"/>
+        </pc:sldMkLst>
+      </pc:sldChg>
+      <pc:sldChg chg="modSp mod">
+        <pc:chgData name="Øyvind Wiig Petersen" userId="8db00c4c-acc5-4dea-8516-ccf730572e42" providerId="ADAL" clId="{CFA7147A-E208-4CC9-96A9-0CE1C9C8358B}" dt="2022-07-05T05:37:58.534" v="44" actId="12789"/>
         <pc:sldMkLst>
           <pc:docMk/>
           <pc:sldMk cId="3378448526" sldId="632"/>
         </pc:sldMkLst>
         <pc:spChg chg="mod">
-          <ac:chgData name="Øyvind Wiig Petersen" userId="8db00c4c-acc5-4dea-8516-ccf730572e42" providerId="ADAL" clId="{CFA7147A-E208-4CC9-96A9-0CE1C9C8358B}" dt="2022-07-04T07:42:51.264" v="4" actId="1076"/>
+          <ac:chgData name="Øyvind Wiig Petersen" userId="8db00c4c-acc5-4dea-8516-ccf730572e42" providerId="ADAL" clId="{CFA7147A-E208-4CC9-96A9-0CE1C9C8358B}" dt="2022-07-05T05:37:58.534" v="44" actId="12789"/>
           <ac:spMkLst>
             <pc:docMk/>
             <pc:sldMk cId="3378448526" sldId="632"/>
@@ -252,7 +431,7 @@
           </ac:spMkLst>
         </pc:spChg>
         <pc:spChg chg="mod">
-          <ac:chgData name="Øyvind Wiig Petersen" userId="8db00c4c-acc5-4dea-8516-ccf730572e42" providerId="ADAL" clId="{CFA7147A-E208-4CC9-96A9-0CE1C9C8358B}" dt="2022-07-04T07:43:59.947" v="17" actId="14100"/>
+          <ac:chgData name="Øyvind Wiig Petersen" userId="8db00c4c-acc5-4dea-8516-ccf730572e42" providerId="ADAL" clId="{CFA7147A-E208-4CC9-96A9-0CE1C9C8358B}" dt="2022-07-05T05:37:58.534" v="44" actId="12789"/>
           <ac:spMkLst>
             <pc:docMk/>
             <pc:sldMk cId="3378448526" sldId="632"/>
@@ -260,7 +439,7 @@
           </ac:spMkLst>
         </pc:spChg>
         <pc:spChg chg="mod">
-          <ac:chgData name="Øyvind Wiig Petersen" userId="8db00c4c-acc5-4dea-8516-ccf730572e42" providerId="ADAL" clId="{CFA7147A-E208-4CC9-96A9-0CE1C9C8358B}" dt="2022-07-04T07:42:45.642" v="2" actId="1076"/>
+          <ac:chgData name="Øyvind Wiig Petersen" userId="8db00c4c-acc5-4dea-8516-ccf730572e42" providerId="ADAL" clId="{CFA7147A-E208-4CC9-96A9-0CE1C9C8358B}" dt="2022-07-05T05:37:58.534" v="44" actId="12789"/>
           <ac:spMkLst>
             <pc:docMk/>
             <pc:sldMk cId="3378448526" sldId="632"/>
@@ -313,6 +492,76 @@
             <pc:docMk/>
             <pc:sldMk cId="3378448526" sldId="632"/>
             <ac:graphicFrameMk id="17" creationId="{FD18D9C3-4F1A-487B-96D1-697C22F6A956}"/>
+          </ac:graphicFrameMkLst>
+        </pc:graphicFrameChg>
+      </pc:sldChg>
+      <pc:sldChg chg="addSp delSp modSp mod">
+        <pc:chgData name="Øyvind Wiig Petersen" userId="8db00c4c-acc5-4dea-8516-ccf730572e42" providerId="ADAL" clId="{CFA7147A-E208-4CC9-96A9-0CE1C9C8358B}" dt="2022-07-05T13:34:36.791" v="102"/>
+        <pc:sldMkLst>
+          <pc:docMk/>
+          <pc:sldMk cId="2921964998" sldId="634"/>
+        </pc:sldMkLst>
+        <pc:graphicFrameChg chg="add del mod">
+          <ac:chgData name="Øyvind Wiig Petersen" userId="8db00c4c-acc5-4dea-8516-ccf730572e42" providerId="ADAL" clId="{CFA7147A-E208-4CC9-96A9-0CE1C9C8358B}" dt="2022-07-05T13:34:36.791" v="102"/>
+          <ac:graphicFrameMkLst>
+            <pc:docMk/>
+            <pc:sldMk cId="2921964998" sldId="634"/>
+            <ac:graphicFrameMk id="2" creationId="{D06F6476-E746-8D12-2CF5-38F5F9B35DAA}"/>
+          </ac:graphicFrameMkLst>
+        </pc:graphicFrameChg>
+      </pc:sldChg>
+      <pc:sldChg chg="addSp delSp modSp add mod">
+        <pc:chgData name="Øyvind Wiig Petersen" userId="8db00c4c-acc5-4dea-8516-ccf730572e42" providerId="ADAL" clId="{CFA7147A-E208-4CC9-96A9-0CE1C9C8358B}" dt="2022-07-05T18:18:58.917" v="138"/>
+        <pc:sldMkLst>
+          <pc:docMk/>
+          <pc:sldMk cId="2207100053" sldId="635"/>
+        </pc:sldMkLst>
+        <pc:spChg chg="mod">
+          <ac:chgData name="Øyvind Wiig Petersen" userId="8db00c4c-acc5-4dea-8516-ccf730572e42" providerId="ADAL" clId="{CFA7147A-E208-4CC9-96A9-0CE1C9C8358B}" dt="2022-07-05T15:08:19.642" v="116" actId="1076"/>
+          <ac:spMkLst>
+            <pc:docMk/>
+            <pc:sldMk cId="2207100053" sldId="635"/>
+            <ac:spMk id="11" creationId="{BC28DC8C-597C-4CE1-8577-DCAE653A9CD0}"/>
+          </ac:spMkLst>
+        </pc:spChg>
+        <pc:spChg chg="mod">
+          <ac:chgData name="Øyvind Wiig Petersen" userId="8db00c4c-acc5-4dea-8516-ccf730572e42" providerId="ADAL" clId="{CFA7147A-E208-4CC9-96A9-0CE1C9C8358B}" dt="2022-07-05T18:18:52.145" v="135" actId="20577"/>
+          <ac:spMkLst>
+            <pc:docMk/>
+            <pc:sldMk cId="2207100053" sldId="635"/>
+            <ac:spMk id="12" creationId="{8D576EAA-65D8-1522-71CC-1933C1996B6A}"/>
+          </ac:spMkLst>
+        </pc:spChg>
+        <pc:graphicFrameChg chg="add del mod">
+          <ac:chgData name="Øyvind Wiig Petersen" userId="8db00c4c-acc5-4dea-8516-ccf730572e42" providerId="ADAL" clId="{CFA7147A-E208-4CC9-96A9-0CE1C9C8358B}" dt="2022-07-05T18:18:54.782" v="136" actId="1076"/>
+          <ac:graphicFrameMkLst>
+            <pc:docMk/>
+            <pc:sldMk cId="2207100053" sldId="635"/>
+            <ac:graphicFrameMk id="2" creationId="{7576B42E-F2B1-492F-ADE0-A46AB183AC9A}"/>
+          </ac:graphicFrameMkLst>
+        </pc:graphicFrameChg>
+        <pc:graphicFrameChg chg="add del mod">
+          <ac:chgData name="Øyvind Wiig Petersen" userId="8db00c4c-acc5-4dea-8516-ccf730572e42" providerId="ADAL" clId="{CFA7147A-E208-4CC9-96A9-0CE1C9C8358B}" dt="2022-07-05T18:18:58.917" v="138"/>
+          <ac:graphicFrameMkLst>
+            <pc:docMk/>
+            <pc:sldMk cId="2207100053" sldId="635"/>
+            <ac:graphicFrameMk id="3" creationId="{A439AC10-00F3-B086-3093-90D99EA23B01}"/>
+          </ac:graphicFrameMkLst>
+        </pc:graphicFrameChg>
+        <pc:graphicFrameChg chg="del">
+          <ac:chgData name="Øyvind Wiig Petersen" userId="8db00c4c-acc5-4dea-8516-ccf730572e42" providerId="ADAL" clId="{CFA7147A-E208-4CC9-96A9-0CE1C9C8358B}" dt="2022-07-05T13:35:15.067" v="107" actId="478"/>
+          <ac:graphicFrameMkLst>
+            <pc:docMk/>
+            <pc:sldMk cId="2207100053" sldId="635"/>
+            <ac:graphicFrameMk id="4" creationId="{080F7AB6-3449-EE86-AA11-BD158E30C119}"/>
+          </ac:graphicFrameMkLst>
+        </pc:graphicFrameChg>
+        <pc:graphicFrameChg chg="del">
+          <ac:chgData name="Øyvind Wiig Petersen" userId="8db00c4c-acc5-4dea-8516-ccf730572e42" providerId="ADAL" clId="{CFA7147A-E208-4CC9-96A9-0CE1C9C8358B}" dt="2022-07-05T13:35:14.611" v="106" actId="478"/>
+          <ac:graphicFrameMkLst>
+            <pc:docMk/>
+            <pc:sldMk cId="2207100053" sldId="635"/>
+            <ac:graphicFrameMk id="5" creationId="{FF9DB076-4D24-0CA9-70A3-0B21C3261F25}"/>
           </ac:graphicFrameMkLst>
         </pc:graphicFrameChg>
       </pc:sldChg>
@@ -2227,7 +2476,7 @@
           <a:p>
             <a:fld id="{A5900E29-18E1-4109-AAA1-F28C0AAA934D}" type="datetimeFigureOut">
               <a:rPr lang="en-US" smtClean="0"/>
-              <a:t>7/4/2022</a:t>
+              <a:t>7/5/2022</a:t>
             </a:fld>
             <a:endParaRPr lang="en-US"/>
           </a:p>
@@ -2392,7 +2641,7 @@
           <a:p>
             <a:fld id="{9202B75C-0EBB-4B30-BBC4-C5E69FFFE7FE}" type="datetimeFigureOut">
               <a:rPr lang="nb-NO" smtClean="0"/>
-              <a:t>04.07.2022</a:t>
+              <a:t>05.07.2022</a:t>
             </a:fld>
             <a:endParaRPr lang="nb-NO"/>
           </a:p>
@@ -2818,7 +3067,7 @@
     </p:spTree>
     <p:extLst>
       <p:ext uri="{BB962C8B-B14F-4D97-AF65-F5344CB8AC3E}">
-        <p14:creationId xmlns:p14="http://schemas.microsoft.com/office/powerpoint/2010/main" val="1527677040"/>
+        <p14:creationId xmlns:p14="http://schemas.microsoft.com/office/powerpoint/2010/main" val="2359033081"/>
       </p:ext>
     </p:extLst>
   </p:cSld>
@@ -3322,7 +3571,7 @@
     </p:spTree>
     <p:extLst>
       <p:ext uri="{BB962C8B-B14F-4D97-AF65-F5344CB8AC3E}">
-        <p14:creationId xmlns:p14="http://schemas.microsoft.com/office/powerpoint/2010/main" val="154019581"/>
+        <p14:creationId xmlns:p14="http://schemas.microsoft.com/office/powerpoint/2010/main" val="4121244437"/>
       </p:ext>
     </p:extLst>
   </p:cSld>
@@ -3406,7 +3655,7 @@
     </p:spTree>
     <p:extLst>
       <p:ext uri="{BB962C8B-B14F-4D97-AF65-F5344CB8AC3E}">
-        <p14:creationId xmlns:p14="http://schemas.microsoft.com/office/powerpoint/2010/main" val="4121244437"/>
+        <p14:creationId xmlns:p14="http://schemas.microsoft.com/office/powerpoint/2010/main" val="2037857664"/>
       </p:ext>
     </p:extLst>
   </p:cSld>
@@ -3481,7 +3730,7 @@
           <a:p>
             <a:fld id="{55FF28BA-818D-4B07-AEBE-B16BD9B7CDF3}" type="slidenum">
               <a:rPr lang="nb-NO" smtClean="0"/>
-              <a:t>9</a:t>
+              <a:t>10</a:t>
             </a:fld>
             <a:endParaRPr lang="nb-NO"/>
           </a:p>
@@ -3490,7 +3739,7 @@
     </p:spTree>
     <p:extLst>
       <p:ext uri="{BB962C8B-B14F-4D97-AF65-F5344CB8AC3E}">
-        <p14:creationId xmlns:p14="http://schemas.microsoft.com/office/powerpoint/2010/main" val="2037857664"/>
+        <p14:creationId xmlns:p14="http://schemas.microsoft.com/office/powerpoint/2010/main" val="1527677040"/>
       </p:ext>
     </p:extLst>
   </p:cSld>
@@ -6206,220 +6455,6 @@
       </p:grpSpPr>
       <p:sp>
         <p:nvSpPr>
-          <p:cNvPr id="2" name="Content Placeholder 1">
-            <a:extLst>
-              <a:ext uri="{FF2B5EF4-FFF2-40B4-BE49-F238E27FC236}">
-                <a16:creationId xmlns:a16="http://schemas.microsoft.com/office/drawing/2014/main" id="{DFFE5FED-D9FC-44C0-8A22-E84A8866DD25}"/>
-              </a:ext>
-            </a:extLst>
-          </p:cNvPr>
-          <p:cNvSpPr>
-            <a:spLocks noGrp="1"/>
-          </p:cNvSpPr>
-          <p:nvPr>
-            <p:ph idx="1"/>
-          </p:nvPr>
-        </p:nvSpPr>
-        <p:spPr>
-          <a:xfrm>
-            <a:off x="591731" y="1275743"/>
-            <a:ext cx="10972800" cy="713097"/>
-          </a:xfrm>
-        </p:spPr>
-        <p:txBody>
-          <a:bodyPr/>
-          <a:lstStyle/>
-          <a:p>
-            <a:pPr marL="0" indent="0">
-              <a:buNone/>
-            </a:pPr>
-            <a:r>
-              <a:rPr lang="nb-NO" dirty="0" err="1"/>
-              <a:t>Coefficients</a:t>
-            </a:r>
-            <a:r>
-              <a:rPr lang="nb-NO" dirty="0"/>
-              <a:t> </a:t>
-            </a:r>
-            <a:r>
-              <a:rPr lang="nb-NO" i="1" dirty="0"/>
-              <a:t>a</a:t>
-            </a:r>
-            <a:r>
-              <a:rPr lang="nb-NO" dirty="0"/>
-              <a:t> in Taylor </a:t>
-            </a:r>
-            <a:r>
-              <a:rPr lang="nb-NO" dirty="0" err="1"/>
-              <a:t>expansion</a:t>
-            </a:r>
-            <a:r>
-              <a:rPr lang="nb-NO" dirty="0"/>
-              <a:t> given from Maple:</a:t>
-            </a:r>
-          </a:p>
-        </p:txBody>
-      </p:sp>
-      <p:sp>
-        <p:nvSpPr>
-          <p:cNvPr id="3" name="Title 2">
-            <a:extLst>
-              <a:ext uri="{FF2B5EF4-FFF2-40B4-BE49-F238E27FC236}">
-                <a16:creationId xmlns:a16="http://schemas.microsoft.com/office/drawing/2014/main" id="{55112635-42CD-45F8-8899-8A259645A827}"/>
-              </a:ext>
-            </a:extLst>
-          </p:cNvPr>
-          <p:cNvSpPr>
-            <a:spLocks noGrp="1"/>
-          </p:cNvSpPr>
-          <p:nvPr>
-            <p:ph type="title"/>
-          </p:nvPr>
-        </p:nvSpPr>
-        <p:spPr/>
-        <p:txBody>
-          <a:bodyPr/>
-          <a:lstStyle/>
-          <a:p>
-            <a:endParaRPr lang="nb-NO" dirty="0"/>
-          </a:p>
-        </p:txBody>
-      </p:sp>
-      <p:pic>
-        <p:nvPicPr>
-          <p:cNvPr id="7" name="Picture 6">
-            <a:extLst>
-              <a:ext uri="{FF2B5EF4-FFF2-40B4-BE49-F238E27FC236}">
-                <a16:creationId xmlns:a16="http://schemas.microsoft.com/office/drawing/2014/main" id="{35EF6A44-96C7-4439-BB68-77D006E2D97D}"/>
-              </a:ext>
-            </a:extLst>
-          </p:cNvPr>
-          <p:cNvPicPr>
-            <a:picLocks noChangeAspect="1"/>
-          </p:cNvPicPr>
-          <p:nvPr/>
-        </p:nvPicPr>
-        <p:blipFill rotWithShape="1">
-          <a:blip r:embed="rId2"/>
-          <a:srcRect r="5011"/>
-          <a:stretch/>
-        </p:blipFill>
-        <p:spPr>
-          <a:xfrm>
-            <a:off x="979512" y="2183290"/>
-            <a:ext cx="10788674" cy="1534596"/>
-          </a:xfrm>
-          <a:prstGeom prst="rect">
-            <a:avLst/>
-          </a:prstGeom>
-          <a:ln w="6350">
-            <a:solidFill>
-              <a:schemeClr val="tx1"/>
-            </a:solidFill>
-          </a:ln>
-        </p:spPr>
-      </p:pic>
-      <p:graphicFrame>
-        <p:nvGraphicFramePr>
-          <p:cNvPr id="4" name="Object 3">
-            <a:extLst>
-              <a:ext uri="{FF2B5EF4-FFF2-40B4-BE49-F238E27FC236}">
-                <a16:creationId xmlns:a16="http://schemas.microsoft.com/office/drawing/2014/main" id="{62C419A7-4522-ACE6-1262-8DC9E78111A7}"/>
-              </a:ext>
-            </a:extLst>
-          </p:cNvPr>
-          <p:cNvGraphicFramePr>
-            <a:graphicFrameLocks noChangeAspect="1"/>
-          </p:cNvGraphicFramePr>
-          <p:nvPr>
-            <p:extLst>
-              <p:ext uri="{D42A27DB-BD31-4B8C-83A1-F6EECF244321}">
-                <p14:modId xmlns:p14="http://schemas.microsoft.com/office/powerpoint/2010/main" val="1913947530"/>
-              </p:ext>
-            </p:extLst>
-          </p:nvPr>
-        </p:nvGraphicFramePr>
-        <p:xfrm>
-          <a:off x="1163638" y="4145384"/>
-          <a:ext cx="7740650" cy="630238"/>
-        </p:xfrm>
-        <a:graphic>
-          <a:graphicData uri="http://schemas.openxmlformats.org/presentationml/2006/ole">
-            <mc:AlternateContent xmlns:mc="http://schemas.openxmlformats.org/markup-compatibility/2006">
-              <mc:Choice xmlns:v="urn:schemas-microsoft-com:vml" Requires="v">
-                <p:oleObj name="Equation" r:id="rId3" imgW="4838400" imgH="393480" progId="Equation.DSMT4">
-                  <p:embed/>
-                </p:oleObj>
-              </mc:Choice>
-              <mc:Fallback>
-                <p:oleObj name="Equation" r:id="rId3" imgW="4838400" imgH="393480" progId="Equation.DSMT4">
-                  <p:embed/>
-                  <p:pic>
-                    <p:nvPicPr>
-                      <p:cNvPr id="4" name="Object 3">
-                        <a:extLst>
-                          <a:ext uri="{FF2B5EF4-FFF2-40B4-BE49-F238E27FC236}">
-                            <a16:creationId xmlns:a16="http://schemas.microsoft.com/office/drawing/2014/main" id="{62C419A7-4522-ACE6-1262-8DC9E78111A7}"/>
-                          </a:ext>
-                        </a:extLst>
-                      </p:cNvPr>
-                      <p:cNvPicPr/>
-                      <p:nvPr/>
-                    </p:nvPicPr>
-                    <p:blipFill>
-                      <a:blip r:embed="rId4"/>
-                      <a:stretch>
-                        <a:fillRect/>
-                      </a:stretch>
-                    </p:blipFill>
-                    <p:spPr>
-                      <a:xfrm>
-                        <a:off x="1163638" y="4145384"/>
-                        <a:ext cx="7740650" cy="630238"/>
-                      </a:xfrm>
-                      <a:prstGeom prst="rect">
-                        <a:avLst/>
-                      </a:prstGeom>
-                    </p:spPr>
-                  </p:pic>
-                </p:oleObj>
-              </mc:Fallback>
-            </mc:AlternateContent>
-          </a:graphicData>
-        </a:graphic>
-      </p:graphicFrame>
-    </p:spTree>
-    <p:extLst>
-      <p:ext uri="{BB962C8B-B14F-4D97-AF65-F5344CB8AC3E}">
-        <p14:creationId xmlns:p14="http://schemas.microsoft.com/office/powerpoint/2010/main" val="24138218"/>
-      </p:ext>
-    </p:extLst>
-  </p:cSld>
-  <p:clrMapOvr>
-    <a:masterClrMapping/>
-  </p:clrMapOvr>
-</p:sld>
-</file>
-
-<file path=ppt/slides/slide11.xml><?xml version="1.0" encoding="utf-8"?>
-<p:sld xmlns:a="http://schemas.openxmlformats.org/drawingml/2006/main" xmlns:r="http://schemas.openxmlformats.org/officeDocument/2006/relationships" xmlns:p="http://schemas.openxmlformats.org/presentationml/2006/main">
-  <p:cSld>
-    <p:spTree>
-      <p:nvGrpSpPr>
-        <p:cNvPr id="1" name=""/>
-        <p:cNvGrpSpPr/>
-        <p:nvPr/>
-      </p:nvGrpSpPr>
-      <p:grpSpPr>
-        <a:xfrm>
-          <a:off x="0" y="0"/>
-          <a:ext cx="0" cy="0"/>
-          <a:chOff x="0" y="0"/>
-          <a:chExt cx="0" cy="0"/>
-        </a:xfrm>
-      </p:grpSpPr>
-      <p:sp>
-        <p:nvSpPr>
           <p:cNvPr id="11" name="Title 10">
             <a:extLst>
               <a:ext uri="{FF2B5EF4-FFF2-40B4-BE49-F238E27FC236}">
@@ -7277,6 +7312,393 @@
 </p:sld>
 </file>
 
+<file path=ppt/slides/slide11.xml><?xml version="1.0" encoding="utf-8"?>
+<p:sld xmlns:a="http://schemas.openxmlformats.org/drawingml/2006/main" xmlns:r="http://schemas.openxmlformats.org/officeDocument/2006/relationships" xmlns:p="http://schemas.openxmlformats.org/presentationml/2006/main">
+  <p:cSld>
+    <p:spTree>
+      <p:nvGrpSpPr>
+        <p:cNvPr id="1" name=""/>
+        <p:cNvGrpSpPr/>
+        <p:nvPr/>
+      </p:nvGrpSpPr>
+      <p:grpSpPr>
+        <a:xfrm>
+          <a:off x="0" y="0"/>
+          <a:ext cx="0" cy="0"/>
+          <a:chOff x="0" y="0"/>
+          <a:chExt cx="0" cy="0"/>
+        </a:xfrm>
+      </p:grpSpPr>
+      <p:sp>
+        <p:nvSpPr>
+          <p:cNvPr id="11" name="Title 10">
+            <a:extLst>
+              <a:ext uri="{FF2B5EF4-FFF2-40B4-BE49-F238E27FC236}">
+                <a16:creationId xmlns:a16="http://schemas.microsoft.com/office/drawing/2014/main" id="{BC28DC8C-597C-4CE1-8577-DCAE653A9CD0}"/>
+              </a:ext>
+            </a:extLst>
+          </p:cNvPr>
+          <p:cNvSpPr>
+            <a:spLocks noGrp="1"/>
+          </p:cNvSpPr>
+          <p:nvPr>
+            <p:ph type="title"/>
+          </p:nvPr>
+        </p:nvSpPr>
+        <p:spPr/>
+        <p:txBody>
+          <a:bodyPr/>
+          <a:lstStyle/>
+          <a:p>
+            <a:r>
+              <a:rPr lang="nb-NO" dirty="0" err="1"/>
+              <a:t>Example</a:t>
+            </a:r>
+            <a:r>
+              <a:rPr lang="nb-NO" dirty="0"/>
+              <a:t>:</a:t>
+            </a:r>
+          </a:p>
+        </p:txBody>
+      </p:sp>
+      <p:graphicFrame>
+        <p:nvGraphicFramePr>
+          <p:cNvPr id="2" name="Object 1">
+            <a:extLst>
+              <a:ext uri="{FF2B5EF4-FFF2-40B4-BE49-F238E27FC236}">
+                <a16:creationId xmlns:a16="http://schemas.microsoft.com/office/drawing/2014/main" id="{7576B42E-F2B1-492F-ADE0-A46AB183AC9A}"/>
+              </a:ext>
+            </a:extLst>
+          </p:cNvPr>
+          <p:cNvGraphicFramePr>
+            <a:graphicFrameLocks noChangeAspect="1"/>
+          </p:cNvGraphicFramePr>
+          <p:nvPr>
+            <p:extLst>
+              <p:ext uri="{D42A27DB-BD31-4B8C-83A1-F6EECF244321}">
+                <p14:modId xmlns:p14="http://schemas.microsoft.com/office/powerpoint/2010/main" val="3963492374"/>
+              </p:ext>
+            </p:extLst>
+          </p:nvPr>
+        </p:nvGraphicFramePr>
+        <p:xfrm>
+          <a:off x="1867322" y="1195471"/>
+          <a:ext cx="2135187" cy="668337"/>
+        </p:xfrm>
+        <a:graphic>
+          <a:graphicData uri="http://schemas.openxmlformats.org/presentationml/2006/ole">
+            <mc:AlternateContent xmlns:mc="http://schemas.openxmlformats.org/markup-compatibility/2006">
+              <mc:Choice xmlns:v="urn:schemas-microsoft-com:vml" Requires="v">
+                <p:oleObj name="Equation" r:id="rId3" imgW="1333440" imgH="419040" progId="Equation.DSMT4">
+                  <p:embed/>
+                </p:oleObj>
+              </mc:Choice>
+              <mc:Fallback>
+                <p:oleObj name="Equation" r:id="rId3" imgW="1333440" imgH="419040" progId="Equation.DSMT4">
+                  <p:embed/>
+                  <p:pic>
+                    <p:nvPicPr>
+                      <p:cNvPr id="2" name="Object 1">
+                        <a:extLst>
+                          <a:ext uri="{FF2B5EF4-FFF2-40B4-BE49-F238E27FC236}">
+                            <a16:creationId xmlns:a16="http://schemas.microsoft.com/office/drawing/2014/main" id="{7576B42E-F2B1-492F-ADE0-A46AB183AC9A}"/>
+                          </a:ext>
+                        </a:extLst>
+                      </p:cNvPr>
+                      <p:cNvPicPr/>
+                      <p:nvPr/>
+                    </p:nvPicPr>
+                    <p:blipFill>
+                      <a:blip r:embed="rId4"/>
+                      <a:stretch>
+                        <a:fillRect/>
+                      </a:stretch>
+                    </p:blipFill>
+                    <p:spPr>
+                      <a:xfrm>
+                        <a:off x="1867322" y="1195471"/>
+                        <a:ext cx="2135187" cy="668337"/>
+                      </a:xfrm>
+                      <a:prstGeom prst="rect">
+                        <a:avLst/>
+                      </a:prstGeom>
+                    </p:spPr>
+                  </p:pic>
+                </p:oleObj>
+              </mc:Fallback>
+            </mc:AlternateContent>
+          </a:graphicData>
+        </a:graphic>
+      </p:graphicFrame>
+      <p:graphicFrame>
+        <p:nvGraphicFramePr>
+          <p:cNvPr id="3" name="Object 2">
+            <a:extLst>
+              <a:ext uri="{FF2B5EF4-FFF2-40B4-BE49-F238E27FC236}">
+                <a16:creationId xmlns:a16="http://schemas.microsoft.com/office/drawing/2014/main" id="{A439AC10-00F3-B086-3093-90D99EA23B01}"/>
+              </a:ext>
+            </a:extLst>
+          </p:cNvPr>
+          <p:cNvGraphicFramePr>
+            <a:graphicFrameLocks noChangeAspect="1"/>
+          </p:cNvGraphicFramePr>
+          <p:nvPr>
+            <p:extLst>
+              <p:ext uri="{D42A27DB-BD31-4B8C-83A1-F6EECF244321}">
+                <p14:modId xmlns:p14="http://schemas.microsoft.com/office/powerpoint/2010/main" val="1724883334"/>
+              </p:ext>
+            </p:extLst>
+          </p:nvPr>
+        </p:nvGraphicFramePr>
+        <p:xfrm>
+          <a:off x="1866900" y="3416300"/>
+          <a:ext cx="1473200" cy="1222375"/>
+        </p:xfrm>
+        <a:graphic>
+          <a:graphicData uri="http://schemas.openxmlformats.org/presentationml/2006/ole">
+            <mc:AlternateContent xmlns:mc="http://schemas.openxmlformats.org/markup-compatibility/2006">
+              <mc:Choice xmlns:v="urn:schemas-microsoft-com:vml" Requires="v">
+                <p:oleObj name="Equation" r:id="rId5" imgW="114120" imgH="406080" progId="Equation.DSMT4">
+                  <p:embed/>
+                </p:oleObj>
+              </mc:Choice>
+              <mc:Fallback>
+                <p:oleObj name="Equation" r:id="rId5" imgW="114120" imgH="406080" progId="Equation.DSMT4">
+                  <p:embed/>
+                  <p:pic>
+                    <p:nvPicPr>
+                      <p:cNvPr id="3" name="Object 2">
+                        <a:extLst>
+                          <a:ext uri="{FF2B5EF4-FFF2-40B4-BE49-F238E27FC236}">
+                            <a16:creationId xmlns:a16="http://schemas.microsoft.com/office/drawing/2014/main" id="{A439AC10-00F3-B086-3093-90D99EA23B01}"/>
+                          </a:ext>
+                        </a:extLst>
+                      </p:cNvPr>
+                      <p:cNvPicPr/>
+                      <p:nvPr/>
+                    </p:nvPicPr>
+                    <p:blipFill>
+                      <a:blip r:embed="rId6">
+                        <a:alphaModFix/>
+                      </a:blip>
+                      <a:stretch>
+                        <a:fillRect/>
+                      </a:stretch>
+                    </p:blipFill>
+                    <p:spPr>
+                      <a:xfrm>
+                        <a:off x="1866900" y="3416300"/>
+                        <a:ext cx="1473200" cy="1222375"/>
+                      </a:xfrm>
+                      <a:prstGeom prst="rect">
+                        <a:avLst/>
+                      </a:prstGeom>
+                      <a:noFill/>
+                      <a:ln w="25400" cap="rnd">
+                        <a:solidFill>
+                          <a:srgbClr val="0070C0"/>
+                        </a:solidFill>
+                        <a:round/>
+                      </a:ln>
+                    </p:spPr>
+                  </p:pic>
+                </p:oleObj>
+              </mc:Fallback>
+            </mc:AlternateContent>
+          </a:graphicData>
+        </a:graphic>
+      </p:graphicFrame>
+      <p:sp>
+        <p:nvSpPr>
+          <p:cNvPr id="12" name="Content Placeholder 2">
+            <a:extLst>
+              <a:ext uri="{FF2B5EF4-FFF2-40B4-BE49-F238E27FC236}">
+                <a16:creationId xmlns:a16="http://schemas.microsoft.com/office/drawing/2014/main" id="{8D576EAA-65D8-1522-71CC-1933C1996B6A}"/>
+              </a:ext>
+            </a:extLst>
+          </p:cNvPr>
+          <p:cNvSpPr txBox="1">
+            <a:spLocks/>
+          </p:cNvSpPr>
+          <p:nvPr/>
+        </p:nvSpPr>
+        <p:spPr>
+          <a:xfrm>
+            <a:off x="587375" y="1268546"/>
+            <a:ext cx="6771824" cy="461665"/>
+          </a:xfrm>
+          <a:prstGeom prst="rect">
+            <a:avLst/>
+          </a:prstGeom>
+        </p:spPr>
+        <p:txBody>
+          <a:bodyPr vert="horz" lIns="91440" tIns="45720" rIns="91440" bIns="45720" rtlCol="0">
+            <a:noAutofit/>
+          </a:bodyPr>
+          <a:lstStyle>
+            <a:lvl1pPr marL="342900" indent="-342900" algn="l" defTabSz="457200" rtl="0" eaLnBrk="1" latinLnBrk="0" hangingPunct="1">
+              <a:spcBef>
+                <a:spcPct val="20000"/>
+              </a:spcBef>
+              <a:buFont typeface="Arial"/>
+              <a:buChar char="•"/>
+              <a:defRPr sz="1800" kern="1200">
+                <a:solidFill>
+                  <a:schemeClr val="tx1"/>
+                </a:solidFill>
+                <a:latin typeface="Arial"/>
+                <a:ea typeface="+mn-ea"/>
+                <a:cs typeface="Arial"/>
+              </a:defRPr>
+            </a:lvl1pPr>
+            <a:lvl2pPr marL="742950" indent="-285750" algn="l" defTabSz="457200" rtl="0" eaLnBrk="1" latinLnBrk="0" hangingPunct="1">
+              <a:spcBef>
+                <a:spcPct val="20000"/>
+              </a:spcBef>
+              <a:buFont typeface="Arial" panose="020B0604020202020204" pitchFamily="34" charset="0"/>
+              <a:buChar char="»"/>
+              <a:defRPr sz="1600" kern="1200">
+                <a:solidFill>
+                  <a:schemeClr val="tx1"/>
+                </a:solidFill>
+                <a:latin typeface="Arial"/>
+                <a:ea typeface="+mn-ea"/>
+                <a:cs typeface="Arial"/>
+              </a:defRPr>
+            </a:lvl2pPr>
+            <a:lvl3pPr marL="1143000" indent="-228600" algn="l" defTabSz="457200" rtl="0" eaLnBrk="1" latinLnBrk="0" hangingPunct="1">
+              <a:spcBef>
+                <a:spcPct val="20000"/>
+              </a:spcBef>
+              <a:buFont typeface="Arial"/>
+              <a:buChar char="•"/>
+              <a:defRPr sz="1200" kern="1200">
+                <a:solidFill>
+                  <a:schemeClr val="tx1"/>
+                </a:solidFill>
+                <a:latin typeface="Arial"/>
+                <a:ea typeface="+mn-ea"/>
+                <a:cs typeface="Arial"/>
+              </a:defRPr>
+            </a:lvl3pPr>
+            <a:lvl4pPr marL="1600200" indent="-228600" algn="l" defTabSz="457200" rtl="0" eaLnBrk="1" latinLnBrk="0" hangingPunct="1">
+              <a:spcBef>
+                <a:spcPct val="20000"/>
+              </a:spcBef>
+              <a:buFont typeface="Arial"/>
+              <a:buChar char="–"/>
+              <a:defRPr sz="1200" kern="1200">
+                <a:solidFill>
+                  <a:schemeClr val="tx1"/>
+                </a:solidFill>
+                <a:latin typeface="Arial"/>
+                <a:ea typeface="+mn-ea"/>
+                <a:cs typeface="Arial"/>
+              </a:defRPr>
+            </a:lvl4pPr>
+            <a:lvl5pPr marL="2057400" indent="-228600" algn="l" defTabSz="457200" rtl="0" eaLnBrk="1" latinLnBrk="0" hangingPunct="1">
+              <a:spcBef>
+                <a:spcPct val="20000"/>
+              </a:spcBef>
+              <a:buFont typeface="Arial"/>
+              <a:buChar char="»"/>
+              <a:defRPr sz="1200" kern="1200">
+                <a:solidFill>
+                  <a:schemeClr val="tx1"/>
+                </a:solidFill>
+                <a:latin typeface="Arial"/>
+                <a:ea typeface="+mn-ea"/>
+                <a:cs typeface="Arial"/>
+              </a:defRPr>
+            </a:lvl5pPr>
+            <a:lvl6pPr marL="2514600" indent="-228600" algn="l" defTabSz="457200" rtl="0" eaLnBrk="1" latinLnBrk="0" hangingPunct="1">
+              <a:spcBef>
+                <a:spcPct val="20000"/>
+              </a:spcBef>
+              <a:buFont typeface="Arial"/>
+              <a:buChar char="•"/>
+              <a:defRPr sz="2000" kern="1200">
+                <a:solidFill>
+                  <a:schemeClr val="tx1"/>
+                </a:solidFill>
+                <a:latin typeface="+mn-lt"/>
+                <a:ea typeface="+mn-ea"/>
+                <a:cs typeface="+mn-cs"/>
+              </a:defRPr>
+            </a:lvl6pPr>
+            <a:lvl7pPr marL="2971800" indent="-228600" algn="l" defTabSz="457200" rtl="0" eaLnBrk="1" latinLnBrk="0" hangingPunct="1">
+              <a:spcBef>
+                <a:spcPct val="20000"/>
+              </a:spcBef>
+              <a:buFont typeface="Arial"/>
+              <a:buChar char="•"/>
+              <a:defRPr sz="2000" kern="1200">
+                <a:solidFill>
+                  <a:schemeClr val="tx1"/>
+                </a:solidFill>
+                <a:latin typeface="+mn-lt"/>
+                <a:ea typeface="+mn-ea"/>
+                <a:cs typeface="+mn-cs"/>
+              </a:defRPr>
+            </a:lvl7pPr>
+            <a:lvl8pPr marL="3429000" indent="-228600" algn="l" defTabSz="457200" rtl="0" eaLnBrk="1" latinLnBrk="0" hangingPunct="1">
+              <a:spcBef>
+                <a:spcPct val="20000"/>
+              </a:spcBef>
+              <a:buFont typeface="Arial"/>
+              <a:buChar char="•"/>
+              <a:defRPr sz="2000" kern="1200">
+                <a:solidFill>
+                  <a:schemeClr val="tx1"/>
+                </a:solidFill>
+                <a:latin typeface="+mn-lt"/>
+                <a:ea typeface="+mn-ea"/>
+                <a:cs typeface="+mn-cs"/>
+              </a:defRPr>
+            </a:lvl8pPr>
+            <a:lvl9pPr marL="3886200" indent="-228600" algn="l" defTabSz="457200" rtl="0" eaLnBrk="1" latinLnBrk="0" hangingPunct="1">
+              <a:spcBef>
+                <a:spcPct val="20000"/>
+              </a:spcBef>
+              <a:buFont typeface="Arial"/>
+              <a:buChar char="•"/>
+              <a:defRPr sz="2000" kern="1200">
+                <a:solidFill>
+                  <a:schemeClr val="tx1"/>
+                </a:solidFill>
+                <a:latin typeface="+mn-lt"/>
+                <a:ea typeface="+mn-ea"/>
+                <a:cs typeface="+mn-cs"/>
+              </a:defRPr>
+            </a:lvl9pPr>
+          </a:lstStyle>
+          <a:p>
+            <a:pPr marL="0" indent="0">
+              <a:lnSpc>
+                <a:spcPct val="150000"/>
+              </a:lnSpc>
+              <a:buNone/>
+            </a:pPr>
+            <a:r>
+              <a:rPr lang="nb-NO" dirty="0"/>
+              <a:t>Target CF:</a:t>
+            </a:r>
+          </a:p>
+        </p:txBody>
+      </p:sp>
+    </p:spTree>
+    <p:extLst>
+      <p:ext uri="{BB962C8B-B14F-4D97-AF65-F5344CB8AC3E}">
+        <p14:creationId xmlns:p14="http://schemas.microsoft.com/office/powerpoint/2010/main" val="2207100053"/>
+      </p:ext>
+    </p:extLst>
+  </p:cSld>
+  <p:clrMapOvr>
+    <a:masterClrMapping/>
+  </p:clrMapOvr>
+</p:sld>
+</file>
+
 <file path=ppt/slides/slide2.xml><?xml version="1.0" encoding="utf-8"?>
 <p:sld xmlns:a="http://schemas.openxmlformats.org/drawingml/2006/main" xmlns:r="http://schemas.openxmlformats.org/officeDocument/2006/relationships" xmlns:p="http://schemas.openxmlformats.org/presentationml/2006/main">
   <p:cSld>
@@ -7310,7 +7732,7 @@
         </p:nvSpPr>
         <p:spPr>
           <a:xfrm>
-            <a:off x="874713" y="1304034"/>
+            <a:off x="587375" y="1268413"/>
             <a:ext cx="10979410" cy="568026"/>
           </a:xfrm>
           <a:prstGeom prst="rect">
@@ -7508,7 +7930,7 @@
           <p:nvPr>
             <p:extLst>
               <p:ext uri="{D42A27DB-BD31-4B8C-83A1-F6EECF244321}">
-                <p14:modId xmlns:p14="http://schemas.microsoft.com/office/powerpoint/2010/main" val="197091431"/>
+                <p14:modId xmlns:p14="http://schemas.microsoft.com/office/powerpoint/2010/main" val="1988610103"/>
               </p:ext>
             </p:extLst>
           </p:nvPr>
@@ -7578,7 +8000,7 @@
         </p:nvSpPr>
         <p:spPr>
           <a:xfrm>
-            <a:off x="875407" y="2873889"/>
+            <a:off x="587375" y="2827527"/>
             <a:ext cx="10979410" cy="568026"/>
           </a:xfrm>
           <a:prstGeom prst="rect">
@@ -7817,7 +8239,7 @@
         </p:nvSpPr>
         <p:spPr>
           <a:xfrm>
-            <a:off x="875407" y="4717568"/>
+            <a:off x="589335" y="4717568"/>
             <a:ext cx="5220593" cy="568026"/>
           </a:xfrm>
           <a:prstGeom prst="rect">
@@ -8138,7 +8560,7 @@
         </p:nvSpPr>
         <p:spPr>
           <a:xfrm>
-            <a:off x="875407" y="5370904"/>
+            <a:off x="589335" y="5370904"/>
             <a:ext cx="9217037" cy="686387"/>
           </a:xfrm>
           <a:prstGeom prst="rect">
@@ -8403,13 +8825,13 @@
           <p:nvPr>
             <p:extLst>
               <p:ext uri="{D42A27DB-BD31-4B8C-83A1-F6EECF244321}">
-                <p14:modId xmlns:p14="http://schemas.microsoft.com/office/powerpoint/2010/main" val="3213583217"/>
+                <p14:modId xmlns:p14="http://schemas.microsoft.com/office/powerpoint/2010/main" val="159678676"/>
               </p:ext>
             </p:extLst>
           </p:nvPr>
         </p:nvGraphicFramePr>
         <p:xfrm>
-          <a:off x="7788188" y="5445224"/>
+          <a:off x="7340340" y="5481228"/>
           <a:ext cx="751680" cy="365760"/>
         </p:xfrm>
         <a:graphic>
@@ -8443,7 +8865,7 @@
                     </p:blipFill>
                     <p:spPr>
                       <a:xfrm>
-                        <a:off x="7788188" y="5445224"/>
+                        <a:off x="7340340" y="5481228"/>
                         <a:ext cx="751680" cy="365760"/>
                       </a:xfrm>
                       <a:prstGeom prst="rect">
@@ -8508,7 +8930,7 @@
           <a:bodyPr/>
           <a:lstStyle/>
           <a:p>
-            <a:endParaRPr lang="nb-NO"/>
+            <a:endParaRPr lang="nb-NO" dirty="0"/>
           </a:p>
         </p:txBody>
       </p:sp>
@@ -8528,7 +8950,7 @@
         </p:nvSpPr>
         <p:spPr>
           <a:xfrm>
-            <a:off x="880182" y="1388605"/>
+            <a:off x="602116" y="1268413"/>
             <a:ext cx="6771824" cy="461665"/>
           </a:xfrm>
           <a:prstGeom prst="rect">
@@ -8737,13 +9159,13 @@
           <p:nvPr>
             <p:extLst>
               <p:ext uri="{D42A27DB-BD31-4B8C-83A1-F6EECF244321}">
-                <p14:modId xmlns:p14="http://schemas.microsoft.com/office/powerpoint/2010/main" val="4250062832"/>
+                <p14:modId xmlns:p14="http://schemas.microsoft.com/office/powerpoint/2010/main" val="2886511370"/>
               </p:ext>
             </p:extLst>
           </p:nvPr>
         </p:nvGraphicFramePr>
         <p:xfrm>
-          <a:off x="5520342" y="1335105"/>
+          <a:off x="5276099" y="1229409"/>
           <a:ext cx="1523520" cy="629568"/>
         </p:xfrm>
         <a:graphic>
@@ -8777,7 +9199,7 @@
                     </p:blipFill>
                     <p:spPr>
                       <a:xfrm>
-                        <a:off x="5520342" y="1335105"/>
+                        <a:off x="5276099" y="1229409"/>
                         <a:ext cx="1523520" cy="629568"/>
                       </a:xfrm>
                       <a:prstGeom prst="rect">
@@ -8807,7 +9229,7 @@
         </p:nvSpPr>
         <p:spPr>
           <a:xfrm>
-            <a:off x="888554" y="2316822"/>
+            <a:off x="610488" y="2196630"/>
             <a:ext cx="2822885" cy="461665"/>
           </a:xfrm>
           <a:prstGeom prst="rect">
@@ -8984,13 +9406,13 @@
           <p:nvPr>
             <p:extLst>
               <p:ext uri="{D42A27DB-BD31-4B8C-83A1-F6EECF244321}">
-                <p14:modId xmlns:p14="http://schemas.microsoft.com/office/powerpoint/2010/main" val="1727368008"/>
+                <p14:modId xmlns:p14="http://schemas.microsoft.com/office/powerpoint/2010/main" val="3066885875"/>
               </p:ext>
             </p:extLst>
           </p:nvPr>
         </p:nvGraphicFramePr>
         <p:xfrm>
-          <a:off x="4547828" y="3320784"/>
+          <a:off x="4269762" y="3210920"/>
           <a:ext cx="1097280" cy="385920"/>
         </p:xfrm>
         <a:graphic>
@@ -9024,7 +9446,7 @@
                     </p:blipFill>
                     <p:spPr>
                       <a:xfrm>
-                        <a:off x="4547828" y="3320784"/>
+                        <a:off x="4269762" y="3210920"/>
                         <a:ext cx="1097280" cy="385920"/>
                       </a:xfrm>
                       <a:prstGeom prst="rect">
@@ -9054,7 +9476,7 @@
         </p:nvSpPr>
         <p:spPr>
           <a:xfrm>
-            <a:off x="874713" y="3245039"/>
+            <a:off x="596647" y="3124847"/>
             <a:ext cx="3930873" cy="461665"/>
           </a:xfrm>
           <a:prstGeom prst="rect">
@@ -9255,13 +9677,13 @@
           <p:nvPr>
             <p:extLst>
               <p:ext uri="{D42A27DB-BD31-4B8C-83A1-F6EECF244321}">
-                <p14:modId xmlns:p14="http://schemas.microsoft.com/office/powerpoint/2010/main" val="3193945117"/>
+                <p14:modId xmlns:p14="http://schemas.microsoft.com/office/powerpoint/2010/main" val="288847727"/>
               </p:ext>
             </p:extLst>
           </p:nvPr>
         </p:nvGraphicFramePr>
         <p:xfrm>
-          <a:off x="3107668" y="2298072"/>
+          <a:off x="2837377" y="2156680"/>
           <a:ext cx="3393216" cy="670464"/>
         </p:xfrm>
         <a:graphic>
@@ -9295,7 +9717,7 @@
                     </p:blipFill>
                     <p:spPr>
                       <a:xfrm>
-                        <a:off x="3107668" y="2298072"/>
+                        <a:off x="2837377" y="2156680"/>
                         <a:ext cx="3393216" cy="670464"/>
                       </a:xfrm>
                       <a:prstGeom prst="rect">
@@ -10256,13 +10678,13 @@
           <p:nvPr>
             <p:extLst>
               <p:ext uri="{D42A27DB-BD31-4B8C-83A1-F6EECF244321}">
-                <p14:modId xmlns:p14="http://schemas.microsoft.com/office/powerpoint/2010/main" val="2449997856"/>
+                <p14:modId xmlns:p14="http://schemas.microsoft.com/office/powerpoint/2010/main" val="2354544555"/>
               </p:ext>
             </p:extLst>
           </p:nvPr>
         </p:nvGraphicFramePr>
         <p:xfrm>
-          <a:off x="3435354" y="1263654"/>
+          <a:off x="3435354" y="1320120"/>
           <a:ext cx="5201856" cy="812736"/>
         </p:xfrm>
         <a:graphic>
@@ -10296,7 +10718,7 @@
                     </p:blipFill>
                     <p:spPr>
                       <a:xfrm>
-                        <a:off x="3435354" y="1263654"/>
+                        <a:off x="3435354" y="1320120"/>
                         <a:ext cx="5201856" cy="812736"/>
                       </a:xfrm>
                       <a:prstGeom prst="rect">
@@ -11186,13 +11608,13 @@
           <p:nvPr>
             <p:extLst>
               <p:ext uri="{D42A27DB-BD31-4B8C-83A1-F6EECF244321}">
-                <p14:modId xmlns:p14="http://schemas.microsoft.com/office/powerpoint/2010/main" val="202050314"/>
+                <p14:modId xmlns:p14="http://schemas.microsoft.com/office/powerpoint/2010/main" val="2620258480"/>
               </p:ext>
             </p:extLst>
           </p:nvPr>
         </p:nvGraphicFramePr>
         <p:xfrm>
-          <a:off x="2387588" y="1334131"/>
+          <a:off x="2384410" y="1233293"/>
           <a:ext cx="5283072" cy="1259712"/>
         </p:xfrm>
         <a:graphic>
@@ -11226,7 +11648,7 @@
                     </p:blipFill>
                     <p:spPr>
                       <a:xfrm>
-                        <a:off x="2387588" y="1334131"/>
+                        <a:off x="2384410" y="1233293"/>
                         <a:ext cx="5283072" cy="1259712"/>
                       </a:xfrm>
                       <a:prstGeom prst="rect">
@@ -11255,13 +11677,13 @@
           <p:nvPr>
             <p:extLst>
               <p:ext uri="{D42A27DB-BD31-4B8C-83A1-F6EECF244321}">
-                <p14:modId xmlns:p14="http://schemas.microsoft.com/office/powerpoint/2010/main" val="2661220741"/>
+                <p14:modId xmlns:p14="http://schemas.microsoft.com/office/powerpoint/2010/main" val="9263790"/>
               </p:ext>
             </p:extLst>
           </p:nvPr>
         </p:nvGraphicFramePr>
         <p:xfrm>
-          <a:off x="1235464" y="2988814"/>
+          <a:off x="1235464" y="2672916"/>
           <a:ext cx="4652928" cy="2600640"/>
         </p:xfrm>
         <a:graphic>
@@ -11297,7 +11719,7 @@
                     </p:blipFill>
                     <p:spPr>
                       <a:xfrm>
-                        <a:off x="1235464" y="2988814"/>
+                        <a:off x="1235464" y="2672916"/>
                         <a:ext cx="4652928" cy="2600640"/>
                       </a:xfrm>
                       <a:prstGeom prst="rect">
@@ -11333,13 +11755,13 @@
           <p:nvPr>
             <p:extLst>
               <p:ext uri="{D42A27DB-BD31-4B8C-83A1-F6EECF244321}">
-                <p14:modId xmlns:p14="http://schemas.microsoft.com/office/powerpoint/2010/main" val="2261681899"/>
+                <p14:modId xmlns:p14="http://schemas.microsoft.com/office/powerpoint/2010/main" val="2135202847"/>
               </p:ext>
             </p:extLst>
           </p:nvPr>
         </p:nvGraphicFramePr>
         <p:xfrm>
-          <a:off x="6895897" y="2993811"/>
+          <a:off x="6895897" y="2677913"/>
           <a:ext cx="2092608" cy="1869120"/>
         </p:xfrm>
         <a:graphic>
@@ -11373,7 +11795,7 @@
                     </p:blipFill>
                     <p:spPr>
                       <a:xfrm>
-                        <a:off x="6895897" y="2993811"/>
+                        <a:off x="6895897" y="2677913"/>
                         <a:ext cx="2092608" cy="1869120"/>
                       </a:xfrm>
                       <a:prstGeom prst="rect">
@@ -11407,13 +11829,13 @@
           <p:nvPr>
             <p:extLst>
               <p:ext uri="{D42A27DB-BD31-4B8C-83A1-F6EECF244321}">
-                <p14:modId xmlns:p14="http://schemas.microsoft.com/office/powerpoint/2010/main" val="987833088"/>
+                <p14:modId xmlns:p14="http://schemas.microsoft.com/office/powerpoint/2010/main" val="3402969221"/>
               </p:ext>
             </p:extLst>
           </p:nvPr>
         </p:nvGraphicFramePr>
         <p:xfrm>
-          <a:off x="9996010" y="2991529"/>
+          <a:off x="9996010" y="2675631"/>
           <a:ext cx="1076544" cy="1645632"/>
         </p:xfrm>
         <a:graphic>
@@ -11447,7 +11869,7 @@
                     </p:blipFill>
                     <p:spPr>
                       <a:xfrm>
-                        <a:off x="9996010" y="2991529"/>
+                        <a:off x="9996010" y="2675631"/>
                         <a:ext cx="1076544" cy="1645632"/>
                       </a:xfrm>
                       <a:prstGeom prst="rect">
@@ -11482,7 +11904,7 @@
         </p:nvSpPr>
         <p:spPr>
           <a:xfrm>
-            <a:off x="874713" y="1402213"/>
+            <a:off x="587375" y="1268546"/>
             <a:ext cx="6771824" cy="461665"/>
           </a:xfrm>
           <a:prstGeom prst="rect">
@@ -11658,68 +12080,6 @@
 </file>
 
 <file path=ppt/slides/slide7.xml><?xml version="1.0" encoding="utf-8"?>
-<p:sld xmlns:a="http://schemas.openxmlformats.org/drawingml/2006/main" xmlns:r="http://schemas.openxmlformats.org/officeDocument/2006/relationships" xmlns:p="http://schemas.openxmlformats.org/presentationml/2006/main">
-  <p:cSld>
-    <p:spTree>
-      <p:nvGrpSpPr>
-        <p:cNvPr id="1" name=""/>
-        <p:cNvGrpSpPr/>
-        <p:nvPr/>
-      </p:nvGrpSpPr>
-      <p:grpSpPr>
-        <a:xfrm>
-          <a:off x="0" y="0"/>
-          <a:ext cx="0" cy="0"/>
-          <a:chOff x="0" y="0"/>
-          <a:chExt cx="0" cy="0"/>
-        </a:xfrm>
-      </p:grpSpPr>
-      <p:sp>
-        <p:nvSpPr>
-          <p:cNvPr id="11" name="Title 10">
-            <a:extLst>
-              <a:ext uri="{FF2B5EF4-FFF2-40B4-BE49-F238E27FC236}">
-                <a16:creationId xmlns:a16="http://schemas.microsoft.com/office/drawing/2014/main" id="{BC28DC8C-597C-4CE1-8577-DCAE653A9CD0}"/>
-              </a:ext>
-            </a:extLst>
-          </p:cNvPr>
-          <p:cNvSpPr>
-            <a:spLocks noGrp="1"/>
-          </p:cNvSpPr>
-          <p:nvPr>
-            <p:ph type="title"/>
-          </p:nvPr>
-        </p:nvSpPr>
-        <p:spPr/>
-        <p:txBody>
-          <a:bodyPr/>
-          <a:lstStyle/>
-          <a:p>
-            <a:r>
-              <a:rPr lang="nb-NO" dirty="0" err="1"/>
-              <a:t>Example</a:t>
-            </a:r>
-            <a:r>
-              <a:rPr lang="nb-NO" dirty="0"/>
-              <a:t>:</a:t>
-            </a:r>
-          </a:p>
-        </p:txBody>
-      </p:sp>
-    </p:spTree>
-    <p:extLst>
-      <p:ext uri="{BB962C8B-B14F-4D97-AF65-F5344CB8AC3E}">
-        <p14:creationId xmlns:p14="http://schemas.microsoft.com/office/powerpoint/2010/main" val="1323310551"/>
-      </p:ext>
-    </p:extLst>
-  </p:cSld>
-  <p:clrMapOvr>
-    <a:masterClrMapping/>
-  </p:clrMapOvr>
-</p:sld>
-</file>
-
-<file path=ppt/slides/slide8.xml><?xml version="1.0" encoding="utf-8"?>
 <p:sld xmlns:a="http://schemas.openxmlformats.org/drawingml/2006/main" xmlns:r="http://schemas.openxmlformats.org/officeDocument/2006/relationships" xmlns:p="http://schemas.openxmlformats.org/presentationml/2006/main">
   <p:cSld>
     <p:spTree>
@@ -11864,7 +12224,7 @@
 </p:sld>
 </file>
 
-<file path=ppt/slides/slide9.xml><?xml version="1.0" encoding="utf-8"?>
+<file path=ppt/slides/slide8.xml><?xml version="1.0" encoding="utf-8"?>
 <p:sld xmlns:a="http://schemas.openxmlformats.org/drawingml/2006/main" xmlns:r="http://schemas.openxmlformats.org/officeDocument/2006/relationships" xmlns:p="http://schemas.openxmlformats.org/presentationml/2006/main">
   <p:cSld>
     <p:spTree>
@@ -12867,7 +13227,7 @@
         </p:nvSpPr>
         <p:spPr>
           <a:xfrm rot="16200000">
-            <a:off x="7934362" y="3495551"/>
+            <a:off x="7934362" y="3483786"/>
             <a:ext cx="342115" cy="1404154"/>
           </a:xfrm>
           <a:prstGeom prst="leftBrace">
@@ -12916,7 +13276,7 @@
         </p:nvSpPr>
         <p:spPr>
           <a:xfrm rot="16200000">
-            <a:off x="9460775" y="3518742"/>
+            <a:off x="9460775" y="3501496"/>
             <a:ext cx="331153" cy="1368735"/>
           </a:xfrm>
           <a:prstGeom prst="leftBrace">
@@ -13034,7 +13394,7 @@
         </p:nvSpPr>
         <p:spPr>
           <a:xfrm rot="16200000">
-            <a:off x="5902717" y="3018249"/>
+            <a:off x="5902717" y="3030013"/>
             <a:ext cx="342116" cy="2311702"/>
           </a:xfrm>
           <a:prstGeom prst="leftBrace">
@@ -13765,6 +14125,220 @@
     <p:extLst>
       <p:ext uri="{BB962C8B-B14F-4D97-AF65-F5344CB8AC3E}">
         <p14:creationId xmlns:p14="http://schemas.microsoft.com/office/powerpoint/2010/main" val="3378448526"/>
+      </p:ext>
+    </p:extLst>
+  </p:cSld>
+  <p:clrMapOvr>
+    <a:masterClrMapping/>
+  </p:clrMapOvr>
+</p:sld>
+</file>
+
+<file path=ppt/slides/slide9.xml><?xml version="1.0" encoding="utf-8"?>
+<p:sld xmlns:a="http://schemas.openxmlformats.org/drawingml/2006/main" xmlns:r="http://schemas.openxmlformats.org/officeDocument/2006/relationships" xmlns:p="http://schemas.openxmlformats.org/presentationml/2006/main">
+  <p:cSld>
+    <p:spTree>
+      <p:nvGrpSpPr>
+        <p:cNvPr id="1" name=""/>
+        <p:cNvGrpSpPr/>
+        <p:nvPr/>
+      </p:nvGrpSpPr>
+      <p:grpSpPr>
+        <a:xfrm>
+          <a:off x="0" y="0"/>
+          <a:ext cx="0" cy="0"/>
+          <a:chOff x="0" y="0"/>
+          <a:chExt cx="0" cy="0"/>
+        </a:xfrm>
+      </p:grpSpPr>
+      <p:sp>
+        <p:nvSpPr>
+          <p:cNvPr id="2" name="Content Placeholder 1">
+            <a:extLst>
+              <a:ext uri="{FF2B5EF4-FFF2-40B4-BE49-F238E27FC236}">
+                <a16:creationId xmlns:a16="http://schemas.microsoft.com/office/drawing/2014/main" id="{DFFE5FED-D9FC-44C0-8A22-E84A8866DD25}"/>
+              </a:ext>
+            </a:extLst>
+          </p:cNvPr>
+          <p:cNvSpPr>
+            <a:spLocks noGrp="1"/>
+          </p:cNvSpPr>
+          <p:nvPr>
+            <p:ph idx="1"/>
+          </p:nvPr>
+        </p:nvSpPr>
+        <p:spPr>
+          <a:xfrm>
+            <a:off x="591731" y="1275743"/>
+            <a:ext cx="10972800" cy="713097"/>
+          </a:xfrm>
+        </p:spPr>
+        <p:txBody>
+          <a:bodyPr/>
+          <a:lstStyle/>
+          <a:p>
+            <a:pPr marL="0" indent="0">
+              <a:buNone/>
+            </a:pPr>
+            <a:r>
+              <a:rPr lang="nb-NO" dirty="0" err="1"/>
+              <a:t>Coefficients</a:t>
+            </a:r>
+            <a:r>
+              <a:rPr lang="nb-NO" dirty="0"/>
+              <a:t> </a:t>
+            </a:r>
+            <a:r>
+              <a:rPr lang="nb-NO" i="1" dirty="0"/>
+              <a:t>a</a:t>
+            </a:r>
+            <a:r>
+              <a:rPr lang="nb-NO" dirty="0"/>
+              <a:t> in Taylor </a:t>
+            </a:r>
+            <a:r>
+              <a:rPr lang="nb-NO" dirty="0" err="1"/>
+              <a:t>expansion</a:t>
+            </a:r>
+            <a:r>
+              <a:rPr lang="nb-NO" dirty="0"/>
+              <a:t> given from Maple:</a:t>
+            </a:r>
+          </a:p>
+        </p:txBody>
+      </p:sp>
+      <p:sp>
+        <p:nvSpPr>
+          <p:cNvPr id="3" name="Title 2">
+            <a:extLst>
+              <a:ext uri="{FF2B5EF4-FFF2-40B4-BE49-F238E27FC236}">
+                <a16:creationId xmlns:a16="http://schemas.microsoft.com/office/drawing/2014/main" id="{55112635-42CD-45F8-8899-8A259645A827}"/>
+              </a:ext>
+            </a:extLst>
+          </p:cNvPr>
+          <p:cNvSpPr>
+            <a:spLocks noGrp="1"/>
+          </p:cNvSpPr>
+          <p:nvPr>
+            <p:ph type="title"/>
+          </p:nvPr>
+        </p:nvSpPr>
+        <p:spPr/>
+        <p:txBody>
+          <a:bodyPr/>
+          <a:lstStyle/>
+          <a:p>
+            <a:endParaRPr lang="nb-NO" dirty="0"/>
+          </a:p>
+        </p:txBody>
+      </p:sp>
+      <p:pic>
+        <p:nvPicPr>
+          <p:cNvPr id="7" name="Picture 6">
+            <a:extLst>
+              <a:ext uri="{FF2B5EF4-FFF2-40B4-BE49-F238E27FC236}">
+                <a16:creationId xmlns:a16="http://schemas.microsoft.com/office/drawing/2014/main" id="{35EF6A44-96C7-4439-BB68-77D006E2D97D}"/>
+              </a:ext>
+            </a:extLst>
+          </p:cNvPr>
+          <p:cNvPicPr>
+            <a:picLocks noChangeAspect="1"/>
+          </p:cNvPicPr>
+          <p:nvPr/>
+        </p:nvPicPr>
+        <p:blipFill rotWithShape="1">
+          <a:blip r:embed="rId2"/>
+          <a:srcRect r="5011"/>
+          <a:stretch/>
+        </p:blipFill>
+        <p:spPr>
+          <a:xfrm>
+            <a:off x="979512" y="2183290"/>
+            <a:ext cx="10788674" cy="1534596"/>
+          </a:xfrm>
+          <a:prstGeom prst="rect">
+            <a:avLst/>
+          </a:prstGeom>
+          <a:ln w="6350">
+            <a:solidFill>
+              <a:schemeClr val="tx1"/>
+            </a:solidFill>
+          </a:ln>
+        </p:spPr>
+      </p:pic>
+      <p:graphicFrame>
+        <p:nvGraphicFramePr>
+          <p:cNvPr id="4" name="Object 3">
+            <a:extLst>
+              <a:ext uri="{FF2B5EF4-FFF2-40B4-BE49-F238E27FC236}">
+                <a16:creationId xmlns:a16="http://schemas.microsoft.com/office/drawing/2014/main" id="{62C419A7-4522-ACE6-1262-8DC9E78111A7}"/>
+              </a:ext>
+            </a:extLst>
+          </p:cNvPr>
+          <p:cNvGraphicFramePr>
+            <a:graphicFrameLocks noChangeAspect="1"/>
+          </p:cNvGraphicFramePr>
+          <p:nvPr>
+            <p:extLst>
+              <p:ext uri="{D42A27DB-BD31-4B8C-83A1-F6EECF244321}">
+                <p14:modId xmlns:p14="http://schemas.microsoft.com/office/powerpoint/2010/main" val="1913947530"/>
+              </p:ext>
+            </p:extLst>
+          </p:nvPr>
+        </p:nvGraphicFramePr>
+        <p:xfrm>
+          <a:off x="1163638" y="4145384"/>
+          <a:ext cx="7740650" cy="630238"/>
+        </p:xfrm>
+        <a:graphic>
+          <a:graphicData uri="http://schemas.openxmlformats.org/presentationml/2006/ole">
+            <mc:AlternateContent xmlns:mc="http://schemas.openxmlformats.org/markup-compatibility/2006">
+              <mc:Choice xmlns:v="urn:schemas-microsoft-com:vml" Requires="v">
+                <p:oleObj name="Equation" r:id="rId3" imgW="4838400" imgH="393480" progId="Equation.DSMT4">
+                  <p:embed/>
+                </p:oleObj>
+              </mc:Choice>
+              <mc:Fallback>
+                <p:oleObj name="Equation" r:id="rId3" imgW="4838400" imgH="393480" progId="Equation.DSMT4">
+                  <p:embed/>
+                  <p:pic>
+                    <p:nvPicPr>
+                      <p:cNvPr id="4" name="Object 3">
+                        <a:extLst>
+                          <a:ext uri="{FF2B5EF4-FFF2-40B4-BE49-F238E27FC236}">
+                            <a16:creationId xmlns:a16="http://schemas.microsoft.com/office/drawing/2014/main" id="{62C419A7-4522-ACE6-1262-8DC9E78111A7}"/>
+                          </a:ext>
+                        </a:extLst>
+                      </p:cNvPr>
+                      <p:cNvPicPr/>
+                      <p:nvPr/>
+                    </p:nvPicPr>
+                    <p:blipFill>
+                      <a:blip r:embed="rId4"/>
+                      <a:stretch>
+                        <a:fillRect/>
+                      </a:stretch>
+                    </p:blipFill>
+                    <p:spPr>
+                      <a:xfrm>
+                        <a:off x="1163638" y="4145384"/>
+                        <a:ext cx="7740650" cy="630238"/>
+                      </a:xfrm>
+                      <a:prstGeom prst="rect">
+                        <a:avLst/>
+                      </a:prstGeom>
+                    </p:spPr>
+                  </p:pic>
+                </p:oleObj>
+              </mc:Fallback>
+            </mc:AlternateContent>
+          </a:graphicData>
+        </a:graphic>
+      </p:graphicFrame>
+    </p:spTree>
+    <p:extLst>
+      <p:ext uri="{BB962C8B-B14F-4D97-AF65-F5344CB8AC3E}">
+        <p14:creationId xmlns:p14="http://schemas.microsoft.com/office/powerpoint/2010/main" val="24138218"/>
       </p:ext>
     </p:extLst>
   </p:cSld>
@@ -14629,18 +15203,18 @@
 </file>
 
 <file path=customXml/item1.xml><?xml version="1.0" encoding="utf-8"?>
-<p:properties xmlns:p="http://schemas.microsoft.com/office/2006/metadata/properties" xmlns:xsi="http://www.w3.org/2001/XMLSchema-instance" xmlns:pc="http://schemas.microsoft.com/office/infopath/2007/PartnerControls">
-  <documentManagement/>
-</p:properties>
-</file>
-
-<file path=customXml/item2.xml><?xml version="1.0" encoding="utf-8"?>
 <?mso-contentType ?>
 <FormTemplates xmlns="http://schemas.microsoft.com/sharepoint/v3/contenttype/forms">
   <Display>DocumentLibraryForm</Display>
   <Edit>DocumentLibraryForm</Edit>
   <New>DocumentLibraryForm</New>
 </FormTemplates>
+</file>
+
+<file path=customXml/item2.xml><?xml version="1.0" encoding="utf-8"?>
+<p:properties xmlns:p="http://schemas.microsoft.com/office/2006/metadata/properties" xmlns:xsi="http://www.w3.org/2001/XMLSchema-instance" xmlns:pc="http://schemas.microsoft.com/office/infopath/2007/PartnerControls">
+  <documentManagement/>
+</p:properties>
 </file>
 
 <file path=customXml/item3.xml><?xml version="1.0" encoding="utf-8"?>
@@ -14873,6 +15447,14 @@
 </file>
 
 <file path=customXml/itemProps1.xml><?xml version="1.0" encoding="utf-8"?>
+<ds:datastoreItem xmlns:ds="http://schemas.openxmlformats.org/officeDocument/2006/customXml" ds:itemID="{09F3C062-D38F-48CE-91BA-6E0D2C668D03}">
+  <ds:schemaRefs>
+    <ds:schemaRef ds:uri="http://schemas.microsoft.com/sharepoint/v3/contenttype/forms"/>
+  </ds:schemaRefs>
+</ds:datastoreItem>
+</file>
+
+<file path=customXml/itemProps2.xml><?xml version="1.0" encoding="utf-8"?>
 <ds:datastoreItem xmlns:ds="http://schemas.openxmlformats.org/officeDocument/2006/customXml" ds:itemID="{EC2C04E8-859A-4A48-8B82-9D65E9A426FA}">
   <ds:schemaRefs>
     <ds:schemaRef ds:uri="http://purl.org/dc/elements/1.1/"/>
@@ -14885,14 +15467,6 @@
     <ds:schemaRef ds:uri="http://schemas.microsoft.com/office/infopath/2007/PartnerControls"/>
     <ds:schemaRef ds:uri="http://www.w3.org/XML/1998/namespace"/>
     <ds:schemaRef ds:uri="http://purl.org/dc/dcmitype/"/>
-  </ds:schemaRefs>
-</ds:datastoreItem>
-</file>
-
-<file path=customXml/itemProps2.xml><?xml version="1.0" encoding="utf-8"?>
-<ds:datastoreItem xmlns:ds="http://schemas.openxmlformats.org/officeDocument/2006/customXml" ds:itemID="{09F3C062-D38F-48CE-91BA-6E0D2C668D03}">
-  <ds:schemaRefs>
-    <ds:schemaRef ds:uri="http://schemas.microsoft.com/sharepoint/v3/contenttype/forms"/>
   </ds:schemaRefs>
 </ds:datastoreItem>
 </file>
